--- a/memory_buffer_latest/schematics/FOBOS_mem_schematics.pptx
+++ b/memory_buffer_latest/schematics/FOBOS_mem_schematics.pptx
@@ -3134,6 +3134,28 @@
           <a:bodyPr/>
           <a:lstStyle/>
           <a:p>
+            <a:r>
+              <a:rPr lang="en-US" dirty="0" smtClean="0"/>
+              <a:t>Slide 1 = Interface between </a:t>
+            </a:r>
+            <a:r>
+              <a:rPr lang="en-US" dirty="0" err="1" smtClean="0"/>
+              <a:t>Datapath</a:t>
+            </a:r>
+            <a:r>
+              <a:rPr lang="en-US" dirty="0" smtClean="0"/>
+              <a:t> and Controller</a:t>
+            </a:r>
+          </a:p>
+          <a:p>
+            <a:r>
+              <a:rPr lang="en-US" dirty="0" smtClean="0"/>
+              <a:t>Slide 2 </a:t>
+            </a:r>
+            <a:r>
+              <a:rPr lang="en-US" smtClean="0"/>
+              <a:t>= Controller Logic</a:t>
+            </a:r>
             <a:endParaRPr lang="en-US"/>
           </a:p>
         </p:txBody>
